--- a/Vision Company - Allocation and Transportation Problem/Solution Brief Description - Vision Allocation Problem.pptx
+++ b/Vision Company - Allocation and Transportation Problem/Solution Brief Description - Vision Allocation Problem.pptx
@@ -10,11 +10,11 @@
     <p:sldId id="257" r:id="rId4"/>
     <p:sldId id="258" r:id="rId5"/>
     <p:sldId id="260" r:id="rId6"/>
-    <p:sldId id="263" r:id="rId7"/>
-    <p:sldId id="265" r:id="rId8"/>
-    <p:sldId id="266" r:id="rId9"/>
-    <p:sldId id="267" r:id="rId10"/>
-    <p:sldId id="268" r:id="rId11"/>
+    <p:sldId id="271" r:id="rId7"/>
+    <p:sldId id="263" r:id="rId8"/>
+    <p:sldId id="265" r:id="rId9"/>
+    <p:sldId id="266" r:id="rId10"/>
+    <p:sldId id="267" r:id="rId11"/>
   </p:sldIdLst>
   <p:sldSz cx="12192000" cy="6858000"/>
   <p:notesSz cx="6858000" cy="9144000"/>
@@ -124,32 +124,318 @@
 <file path=ppt/changesInfos/changesInfo1.xml><?xml version="1.0" encoding="utf-8"?>
 <pc:chgInfo xmlns:a="http://schemas.openxmlformats.org/drawingml/2006/main" xmlns:r="http://schemas.openxmlformats.org/officeDocument/2006/relationships" xmlns:ac="http://schemas.microsoft.com/office/drawing/2013/main/command" xmlns:pc="http://schemas.microsoft.com/office/powerpoint/2013/main/command">
   <pc:docChgLst>
-    <pc:chgData name="Lazuardi Al-Muzaki" userId="626ae20028a9ca27" providerId="LiveId" clId="{423ABBD5-410C-4215-A3EE-DCBCF355F19E}"/>
-    <pc:docChg chg="undo custSel modSld">
-      <pc:chgData name="Lazuardi Al-Muzaki" userId="626ae20028a9ca27" providerId="LiveId" clId="{423ABBD5-410C-4215-A3EE-DCBCF355F19E}" dt="2024-06-11T06:52:07.930" v="287" actId="1076"/>
+    <pc:chgData name="Lazuardi Al-Muzaki" userId="626ae20028a9ca27" providerId="LiveId" clId="{24C6BF3D-B531-4AFB-939F-46956BA1FBD6}"/>
+    <pc:docChg chg="undo custSel addSld delSld modSld">
+      <pc:chgData name="Lazuardi Al-Muzaki" userId="626ae20028a9ca27" providerId="LiveId" clId="{24C6BF3D-B531-4AFB-939F-46956BA1FBD6}" dt="2024-06-11T07:21:22.994" v="1092" actId="47"/>
       <pc:docMkLst>
         <pc:docMk/>
       </pc:docMkLst>
-      <pc:sldChg chg="modSp mod">
-        <pc:chgData name="Lazuardi Al-Muzaki" userId="626ae20028a9ca27" providerId="LiveId" clId="{423ABBD5-410C-4215-A3EE-DCBCF355F19E}" dt="2024-06-11T06:52:07.930" v="287" actId="1076"/>
+      <pc:sldChg chg="addSp delSp modSp mod">
+        <pc:chgData name="Lazuardi Al-Muzaki" userId="626ae20028a9ca27" providerId="LiveId" clId="{24C6BF3D-B531-4AFB-939F-46956BA1FBD6}" dt="2024-06-06T07:06:02.478" v="5" actId="1076"/>
+        <pc:sldMkLst>
+          <pc:docMk/>
+          <pc:sldMk cId="186241403" sldId="257"/>
+        </pc:sldMkLst>
+        <pc:picChg chg="del">
+          <ac:chgData name="Lazuardi Al-Muzaki" userId="626ae20028a9ca27" providerId="LiveId" clId="{24C6BF3D-B531-4AFB-939F-46956BA1FBD6}" dt="2024-06-06T07:05:56.392" v="3" actId="478"/>
+          <ac:picMkLst>
+            <pc:docMk/>
+            <pc:sldMk cId="186241403" sldId="257"/>
+            <ac:picMk id="5" creationId="{6F23C0D6-9334-9A68-63EE-7C77F1212371}"/>
+          </ac:picMkLst>
+        </pc:picChg>
+        <pc:picChg chg="add mod">
+          <ac:chgData name="Lazuardi Al-Muzaki" userId="626ae20028a9ca27" providerId="LiveId" clId="{24C6BF3D-B531-4AFB-939F-46956BA1FBD6}" dt="2024-06-06T07:06:02.478" v="5" actId="1076"/>
+          <ac:picMkLst>
+            <pc:docMk/>
+            <pc:sldMk cId="186241403" sldId="257"/>
+            <ac:picMk id="6" creationId="{FED042B5-0025-6942-57DB-8E49304DAA43}"/>
+          </ac:picMkLst>
+        </pc:picChg>
+      </pc:sldChg>
+      <pc:sldChg chg="addSp delSp modSp mod">
+        <pc:chgData name="Lazuardi Al-Muzaki" userId="626ae20028a9ca27" providerId="LiveId" clId="{24C6BF3D-B531-4AFB-939F-46956BA1FBD6}" dt="2024-06-06T07:06:25.912" v="11" actId="1076"/>
+        <pc:sldMkLst>
+          <pc:docMk/>
+          <pc:sldMk cId="1161747569" sldId="258"/>
+        </pc:sldMkLst>
+        <pc:picChg chg="add mod">
+          <ac:chgData name="Lazuardi Al-Muzaki" userId="626ae20028a9ca27" providerId="LiveId" clId="{24C6BF3D-B531-4AFB-939F-46956BA1FBD6}" dt="2024-06-06T07:06:25.912" v="11" actId="1076"/>
+          <ac:picMkLst>
+            <pc:docMk/>
+            <pc:sldMk cId="1161747569" sldId="258"/>
+            <ac:picMk id="5" creationId="{EE5D9156-988E-95AD-93CB-8CD2CCBD7E74}"/>
+          </ac:picMkLst>
+        </pc:picChg>
+        <pc:picChg chg="del">
+          <ac:chgData name="Lazuardi Al-Muzaki" userId="626ae20028a9ca27" providerId="LiveId" clId="{24C6BF3D-B531-4AFB-939F-46956BA1FBD6}" dt="2024-06-06T07:06:04.780" v="6" actId="478"/>
+          <ac:picMkLst>
+            <pc:docMk/>
+            <pc:sldMk cId="1161747569" sldId="258"/>
+            <ac:picMk id="6" creationId="{A8B0A073-7B54-093E-AF87-4799D2D812E0}"/>
+          </ac:picMkLst>
+        </pc:picChg>
+      </pc:sldChg>
+      <pc:sldChg chg="addSp delSp modSp mod">
+        <pc:chgData name="Lazuardi Al-Muzaki" userId="626ae20028a9ca27" providerId="LiveId" clId="{24C6BF3D-B531-4AFB-939F-46956BA1FBD6}" dt="2024-06-11T04:49:56.473" v="256" actId="20577"/>
+        <pc:sldMkLst>
+          <pc:docMk/>
+          <pc:sldMk cId="2042595382" sldId="260"/>
+        </pc:sldMkLst>
+        <pc:spChg chg="mod">
+          <ac:chgData name="Lazuardi Al-Muzaki" userId="626ae20028a9ca27" providerId="LiveId" clId="{24C6BF3D-B531-4AFB-939F-46956BA1FBD6}" dt="2024-06-11T04:49:56.473" v="256" actId="20577"/>
+          <ac:spMkLst>
+            <pc:docMk/>
+            <pc:sldMk cId="2042595382" sldId="260"/>
+            <ac:spMk id="3" creationId="{D7F15C4C-FF70-8BB6-6FAA-8C8981244BD1}"/>
+          </ac:spMkLst>
+        </pc:spChg>
+        <pc:picChg chg="del">
+          <ac:chgData name="Lazuardi Al-Muzaki" userId="626ae20028a9ca27" providerId="LiveId" clId="{24C6BF3D-B531-4AFB-939F-46956BA1FBD6}" dt="2024-06-11T04:45:27.721" v="12" actId="478"/>
+          <ac:picMkLst>
+            <pc:docMk/>
+            <pc:sldMk cId="2042595382" sldId="260"/>
+            <ac:picMk id="5" creationId="{9B3FD6E5-20C6-0EFF-7151-5B184ED4D1DF}"/>
+          </ac:picMkLst>
+        </pc:picChg>
+        <pc:picChg chg="add mod">
+          <ac:chgData name="Lazuardi Al-Muzaki" userId="626ae20028a9ca27" providerId="LiveId" clId="{24C6BF3D-B531-4AFB-939F-46956BA1FBD6}" dt="2024-06-11T04:45:31.242" v="15" actId="1076"/>
+          <ac:picMkLst>
+            <pc:docMk/>
+            <pc:sldMk cId="2042595382" sldId="260"/>
+            <ac:picMk id="6" creationId="{5FE57755-80A6-640C-3A1A-3F06D9BACDAD}"/>
+          </ac:picMkLst>
+        </pc:picChg>
+      </pc:sldChg>
+      <pc:sldChg chg="addSp delSp modSp mod">
+        <pc:chgData name="Lazuardi Al-Muzaki" userId="626ae20028a9ca27" providerId="LiveId" clId="{24C6BF3D-B531-4AFB-939F-46956BA1FBD6}" dt="2024-06-11T05:18:46.880" v="979" actId="14100"/>
+        <pc:sldMkLst>
+          <pc:docMk/>
+          <pc:sldMk cId="3074788184" sldId="263"/>
+        </pc:sldMkLst>
+        <pc:picChg chg="add mod">
+          <ac:chgData name="Lazuardi Al-Muzaki" userId="626ae20028a9ca27" providerId="LiveId" clId="{24C6BF3D-B531-4AFB-939F-46956BA1FBD6}" dt="2024-06-11T05:18:46.880" v="979" actId="14100"/>
+          <ac:picMkLst>
+            <pc:docMk/>
+            <pc:sldMk cId="3074788184" sldId="263"/>
+            <ac:picMk id="5" creationId="{2FB4C657-E3C8-EBAE-61C6-8DF8E4456F3A}"/>
+          </ac:picMkLst>
+        </pc:picChg>
+        <pc:picChg chg="del">
+          <ac:chgData name="Lazuardi Al-Muzaki" userId="626ae20028a9ca27" providerId="LiveId" clId="{24C6BF3D-B531-4AFB-939F-46956BA1FBD6}" dt="2024-06-11T05:00:56.212" v="976" actId="478"/>
+          <ac:picMkLst>
+            <pc:docMk/>
+            <pc:sldMk cId="3074788184" sldId="263"/>
+            <ac:picMk id="6" creationId="{8A73DC0A-3008-0B9D-DBBC-A7D64E82FF7F}"/>
+          </ac:picMkLst>
+        </pc:picChg>
+      </pc:sldChg>
+      <pc:sldChg chg="addSp delSp modSp mod">
+        <pc:chgData name="Lazuardi Al-Muzaki" userId="626ae20028a9ca27" providerId="LiveId" clId="{24C6BF3D-B531-4AFB-939F-46956BA1FBD6}" dt="2024-06-11T05:32:29.470" v="1067" actId="20577"/>
+        <pc:sldMkLst>
+          <pc:docMk/>
+          <pc:sldMk cId="2547325423" sldId="265"/>
+        </pc:sldMkLst>
+        <pc:spChg chg="mod">
+          <ac:chgData name="Lazuardi Al-Muzaki" userId="626ae20028a9ca27" providerId="LiveId" clId="{24C6BF3D-B531-4AFB-939F-46956BA1FBD6}" dt="2024-06-11T05:32:29.470" v="1067" actId="20577"/>
+          <ac:spMkLst>
+            <pc:docMk/>
+            <pc:sldMk cId="2547325423" sldId="265"/>
+            <ac:spMk id="3" creationId="{D7F15C4C-FF70-8BB6-6FAA-8C8981244BD1}"/>
+          </ac:spMkLst>
+        </pc:spChg>
+        <pc:picChg chg="del">
+          <ac:chgData name="Lazuardi Al-Muzaki" userId="626ae20028a9ca27" providerId="LiveId" clId="{24C6BF3D-B531-4AFB-939F-46956BA1FBD6}" dt="2024-06-11T05:21:22.174" v="980" actId="478"/>
+          <ac:picMkLst>
+            <pc:docMk/>
+            <pc:sldMk cId="2547325423" sldId="265"/>
+            <ac:picMk id="5" creationId="{DB89E7A4-A3DE-B3B5-1C00-67B000A69884}"/>
+          </ac:picMkLst>
+        </pc:picChg>
+        <pc:picChg chg="add mod">
+          <ac:chgData name="Lazuardi Al-Muzaki" userId="626ae20028a9ca27" providerId="LiveId" clId="{24C6BF3D-B531-4AFB-939F-46956BA1FBD6}" dt="2024-06-11T05:21:24.441" v="982" actId="1076"/>
+          <ac:picMkLst>
+            <pc:docMk/>
+            <pc:sldMk cId="2547325423" sldId="265"/>
+            <ac:picMk id="6" creationId="{87D2938B-0587-96BE-B59F-CCE24AEFD055}"/>
+          </ac:picMkLst>
+        </pc:picChg>
+        <pc:picChg chg="add del mod">
+          <ac:chgData name="Lazuardi Al-Muzaki" userId="626ae20028a9ca27" providerId="LiveId" clId="{24C6BF3D-B531-4AFB-939F-46956BA1FBD6}" dt="2024-06-11T05:23:13.839" v="996" actId="478"/>
+          <ac:picMkLst>
+            <pc:docMk/>
+            <pc:sldMk cId="2547325423" sldId="265"/>
+            <ac:picMk id="8" creationId="{A639FD20-FDAA-6FC7-2CF6-A1933F1BA5EC}"/>
+          </ac:picMkLst>
+        </pc:picChg>
+        <pc:picChg chg="add del mod">
+          <ac:chgData name="Lazuardi Al-Muzaki" userId="626ae20028a9ca27" providerId="LiveId" clId="{24C6BF3D-B531-4AFB-939F-46956BA1FBD6}" dt="2024-06-11T05:21:47.791" v="988" actId="22"/>
+          <ac:picMkLst>
+            <pc:docMk/>
+            <pc:sldMk cId="2547325423" sldId="265"/>
+            <ac:picMk id="9" creationId="{8D4872C8-32ED-D131-E9AC-74E47BDF0D74}"/>
+          </ac:picMkLst>
+        </pc:picChg>
+        <pc:picChg chg="add del">
+          <ac:chgData name="Lazuardi Al-Muzaki" userId="626ae20028a9ca27" providerId="LiveId" clId="{24C6BF3D-B531-4AFB-939F-46956BA1FBD6}" dt="2024-06-11T05:22:43.306" v="994" actId="22"/>
+          <ac:picMkLst>
+            <pc:docMk/>
+            <pc:sldMk cId="2547325423" sldId="265"/>
+            <ac:picMk id="11" creationId="{5D3EC52B-0E98-84D2-AB1B-5F2CB307B30C}"/>
+          </ac:picMkLst>
+        </pc:picChg>
+        <pc:picChg chg="add mod">
+          <ac:chgData name="Lazuardi Al-Muzaki" userId="626ae20028a9ca27" providerId="LiveId" clId="{24C6BF3D-B531-4AFB-939F-46956BA1FBD6}" dt="2024-06-11T05:30:41.887" v="1000" actId="1076"/>
+          <ac:picMkLst>
+            <pc:docMk/>
+            <pc:sldMk cId="2547325423" sldId="265"/>
+            <ac:picMk id="13" creationId="{C421CC72-F0A6-5D77-2EF2-05017C3AE136}"/>
+          </ac:picMkLst>
+        </pc:picChg>
+      </pc:sldChg>
+      <pc:sldChg chg="addSp delSp modSp mod">
+        <pc:chgData name="Lazuardi Al-Muzaki" userId="626ae20028a9ca27" providerId="LiveId" clId="{24C6BF3D-B531-4AFB-939F-46956BA1FBD6}" dt="2024-06-11T05:34:05.159" v="1072" actId="1076"/>
+        <pc:sldMkLst>
+          <pc:docMk/>
+          <pc:sldMk cId="603529" sldId="266"/>
+        </pc:sldMkLst>
+        <pc:picChg chg="add mod">
+          <ac:chgData name="Lazuardi Al-Muzaki" userId="626ae20028a9ca27" providerId="LiveId" clId="{24C6BF3D-B531-4AFB-939F-46956BA1FBD6}" dt="2024-06-11T05:34:05.159" v="1072" actId="1076"/>
+          <ac:picMkLst>
+            <pc:docMk/>
+            <pc:sldMk cId="603529" sldId="266"/>
+            <ac:picMk id="5" creationId="{3875105B-1CEB-5E12-46BC-85F026DDBE48}"/>
+          </ac:picMkLst>
+        </pc:picChg>
+        <pc:picChg chg="del">
+          <ac:chgData name="Lazuardi Al-Muzaki" userId="626ae20028a9ca27" providerId="LiveId" clId="{24C6BF3D-B531-4AFB-939F-46956BA1FBD6}" dt="2024-06-11T05:33:59.264" v="1068" actId="478"/>
+          <ac:picMkLst>
+            <pc:docMk/>
+            <pc:sldMk cId="603529" sldId="266"/>
+            <ac:picMk id="6" creationId="{F0AB0A5F-D780-48CF-639D-68C014A1816A}"/>
+          </ac:picMkLst>
+        </pc:picChg>
+      </pc:sldChg>
+      <pc:sldChg chg="addSp delSp modSp mod">
+        <pc:chgData name="Lazuardi Al-Muzaki" userId="626ae20028a9ca27" providerId="LiveId" clId="{24C6BF3D-B531-4AFB-939F-46956BA1FBD6}" dt="2024-06-11T05:34:25.983" v="1076" actId="14100"/>
+        <pc:sldMkLst>
+          <pc:docMk/>
+          <pc:sldMk cId="1574056998" sldId="267"/>
+        </pc:sldMkLst>
+        <pc:picChg chg="del">
+          <ac:chgData name="Lazuardi Al-Muzaki" userId="626ae20028a9ca27" providerId="LiveId" clId="{24C6BF3D-B531-4AFB-939F-46956BA1FBD6}" dt="2024-06-11T05:34:08.176" v="1073" actId="478"/>
+          <ac:picMkLst>
+            <pc:docMk/>
+            <pc:sldMk cId="1574056998" sldId="267"/>
+            <ac:picMk id="5" creationId="{9186502E-3E2E-E026-E0DC-AC1192B05BEA}"/>
+          </ac:picMkLst>
+        </pc:picChg>
+        <pc:picChg chg="add mod">
+          <ac:chgData name="Lazuardi Al-Muzaki" userId="626ae20028a9ca27" providerId="LiveId" clId="{24C6BF3D-B531-4AFB-939F-46956BA1FBD6}" dt="2024-06-11T05:34:25.983" v="1076" actId="14100"/>
+          <ac:picMkLst>
+            <pc:docMk/>
+            <pc:sldMk cId="1574056998" sldId="267"/>
+            <ac:picMk id="6" creationId="{7641E8E1-EB1B-A018-64BF-242B68A6CF9B}"/>
+          </ac:picMkLst>
+        </pc:picChg>
+      </pc:sldChg>
+      <pc:sldChg chg="del">
+        <pc:chgData name="Lazuardi Al-Muzaki" userId="626ae20028a9ca27" providerId="LiveId" clId="{24C6BF3D-B531-4AFB-939F-46956BA1FBD6}" dt="2024-06-11T07:21:22.994" v="1092" actId="47"/>
+        <pc:sldMkLst>
+          <pc:docMk/>
+          <pc:sldMk cId="4149069149" sldId="268"/>
+        </pc:sldMkLst>
+      </pc:sldChg>
+      <pc:sldChg chg="addSp delSp modSp mod">
+        <pc:chgData name="Lazuardi Al-Muzaki" userId="626ae20028a9ca27" providerId="LiveId" clId="{24C6BF3D-B531-4AFB-939F-46956BA1FBD6}" dt="2024-06-11T07:21:17.863" v="1091" actId="1076"/>
         <pc:sldMkLst>
           <pc:docMk/>
           <pc:sldMk cId="488350597" sldId="269"/>
         </pc:sldMkLst>
-        <pc:spChg chg="mod">
-          <ac:chgData name="Lazuardi Al-Muzaki" userId="626ae20028a9ca27" providerId="LiveId" clId="{423ABBD5-410C-4215-A3EE-DCBCF355F19E}" dt="2024-06-11T06:52:04.757" v="286" actId="27636"/>
+        <pc:spChg chg="del mod">
+          <ac:chgData name="Lazuardi Al-Muzaki" userId="626ae20028a9ca27" providerId="LiveId" clId="{24C6BF3D-B531-4AFB-939F-46956BA1FBD6}" dt="2024-06-11T07:21:04.281" v="1085" actId="478"/>
           <ac:spMkLst>
             <pc:docMk/>
             <pc:sldMk cId="488350597" sldId="269"/>
             <ac:spMk id="3" creationId="{D7F15C4C-FF70-8BB6-6FAA-8C8981244BD1}"/>
           </ac:spMkLst>
         </pc:spChg>
-        <pc:picChg chg="mod">
-          <ac:chgData name="Lazuardi Al-Muzaki" userId="626ae20028a9ca27" providerId="LiveId" clId="{423ABBD5-410C-4215-A3EE-DCBCF355F19E}" dt="2024-06-11T06:52:07.930" v="287" actId="1076"/>
+        <pc:spChg chg="add mod">
+          <ac:chgData name="Lazuardi Al-Muzaki" userId="626ae20028a9ca27" providerId="LiveId" clId="{24C6BF3D-B531-4AFB-939F-46956BA1FBD6}" dt="2024-06-11T07:21:15.367" v="1090" actId="27636"/>
+          <ac:spMkLst>
+            <pc:docMk/>
+            <pc:sldMk cId="488350597" sldId="269"/>
+            <ac:spMk id="4" creationId="{A1523A59-2B97-6B22-53BB-35235D177B23}"/>
+          </ac:spMkLst>
+        </pc:spChg>
+        <pc:spChg chg="add del mod">
+          <ac:chgData name="Lazuardi Al-Muzaki" userId="626ae20028a9ca27" providerId="LiveId" clId="{24C6BF3D-B531-4AFB-939F-46956BA1FBD6}" dt="2024-06-11T07:21:07.207" v="1086" actId="478"/>
+          <ac:spMkLst>
+            <pc:docMk/>
+            <pc:sldMk cId="488350597" sldId="269"/>
+            <ac:spMk id="8" creationId="{93679D5F-299C-861B-0B9C-73C9AE4FE52E}"/>
+          </ac:spMkLst>
+        </pc:spChg>
+        <pc:picChg chg="add mod">
+          <ac:chgData name="Lazuardi Al-Muzaki" userId="626ae20028a9ca27" providerId="LiveId" clId="{24C6BF3D-B531-4AFB-939F-46956BA1FBD6}" dt="2024-06-11T07:21:17.863" v="1091" actId="1076"/>
+          <ac:picMkLst>
+            <pc:docMk/>
+            <pc:sldMk cId="488350597" sldId="269"/>
+            <ac:picMk id="5" creationId="{42268E8A-D4EC-829E-07E8-BB55975FFB88}"/>
+          </ac:picMkLst>
+        </pc:picChg>
+        <pc:picChg chg="del">
+          <ac:chgData name="Lazuardi Al-Muzaki" userId="626ae20028a9ca27" providerId="LiveId" clId="{24C6BF3D-B531-4AFB-939F-46956BA1FBD6}" dt="2024-06-11T07:21:07.908" v="1087" actId="478"/>
           <ac:picMkLst>
             <pc:docMk/>
             <pc:sldMk cId="488350597" sldId="269"/>
             <ac:picMk id="6" creationId="{C849B521-B0B6-C56E-2488-956057E5E93D}"/>
+          </ac:picMkLst>
+        </pc:picChg>
+      </pc:sldChg>
+      <pc:sldChg chg="new del">
+        <pc:chgData name="Lazuardi Al-Muzaki" userId="626ae20028a9ca27" providerId="LiveId" clId="{24C6BF3D-B531-4AFB-939F-46956BA1FBD6}" dt="2024-06-11T04:48:23.829" v="223" actId="47"/>
+        <pc:sldMkLst>
+          <pc:docMk/>
+          <pc:sldMk cId="2326546076" sldId="270"/>
+        </pc:sldMkLst>
+      </pc:sldChg>
+      <pc:sldChg chg="addSp delSp modSp add mod">
+        <pc:chgData name="Lazuardi Al-Muzaki" userId="626ae20028a9ca27" providerId="LiveId" clId="{24C6BF3D-B531-4AFB-939F-46956BA1FBD6}" dt="2024-06-11T05:00:24.019" v="975" actId="1076"/>
+        <pc:sldMkLst>
+          <pc:docMk/>
+          <pc:sldMk cId="1605581108" sldId="271"/>
+        </pc:sldMkLst>
+        <pc:spChg chg="mod">
+          <ac:chgData name="Lazuardi Al-Muzaki" userId="626ae20028a9ca27" providerId="LiveId" clId="{24C6BF3D-B531-4AFB-939F-46956BA1FBD6}" dt="2024-06-11T04:49:38.615" v="255" actId="20577"/>
+          <ac:spMkLst>
+            <pc:docMk/>
+            <pc:sldMk cId="1605581108" sldId="271"/>
+            <ac:spMk id="2" creationId="{0D67D830-66F4-2461-A0FA-B77DA42AAF8F}"/>
+          </ac:spMkLst>
+        </pc:spChg>
+        <pc:spChg chg="mod">
+          <ac:chgData name="Lazuardi Al-Muzaki" userId="626ae20028a9ca27" providerId="LiveId" clId="{24C6BF3D-B531-4AFB-939F-46956BA1FBD6}" dt="2024-06-11T05:00:24.019" v="975" actId="1076"/>
+          <ac:spMkLst>
+            <pc:docMk/>
+            <pc:sldMk cId="1605581108" sldId="271"/>
+            <ac:spMk id="3" creationId="{D7F15C4C-FF70-8BB6-6FAA-8C8981244BD1}"/>
+          </ac:spMkLst>
+        </pc:spChg>
+        <pc:picChg chg="add mod">
+          <ac:chgData name="Lazuardi Al-Muzaki" userId="626ae20028a9ca27" providerId="LiveId" clId="{24C6BF3D-B531-4AFB-939F-46956BA1FBD6}" dt="2024-06-11T04:58:51.953" v="767" actId="1076"/>
+          <ac:picMkLst>
+            <pc:docMk/>
+            <pc:sldMk cId="1605581108" sldId="271"/>
+            <ac:picMk id="5" creationId="{26D250E4-B507-E3EB-8401-09E8A2E7D8A5}"/>
+          </ac:picMkLst>
+        </pc:picChg>
+        <pc:picChg chg="del">
+          <ac:chgData name="Lazuardi Al-Muzaki" userId="626ae20028a9ca27" providerId="LiveId" clId="{24C6BF3D-B531-4AFB-939F-46956BA1FBD6}" dt="2024-06-11T04:53:37.642" v="765" actId="478"/>
+          <ac:picMkLst>
+            <pc:docMk/>
+            <pc:sldMk cId="1605581108" sldId="271"/>
+            <ac:picMk id="6" creationId="{5FE57755-80A6-640C-3A1A-3F06D9BACDAD}"/>
           </ac:picMkLst>
         </pc:picChg>
       </pc:sldChg>
@@ -3510,7 +3796,7 @@
           <p:cNvPr id="2" name="Title 1">
             <a:extLst>
               <a:ext uri="{FF2B5EF4-FFF2-40B4-BE49-F238E27FC236}">
-                <a16:creationId xmlns:a16="http://schemas.microsoft.com/office/drawing/2014/main" id="{B45DBE25-8CE8-B50A-D1B7-F441CBA95D0D}"/>
+                <a16:creationId xmlns:a16="http://schemas.microsoft.com/office/drawing/2014/main" id="{0D67D830-66F4-2461-A0FA-B77DA42AAF8F}"/>
               </a:ext>
             </a:extLst>
           </p:cNvPr>
@@ -3527,8 +3813,22 @@
           <a:lstStyle/>
           <a:p>
             <a:r>
-              <a:rPr lang="en-US" dirty="0"/>
-              <a:t>Note</a:t>
+              <a:rPr lang="en-US" dirty="0">
+                <a:latin typeface="Abadi" panose="020B0604020104020204" pitchFamily="34" charset="0"/>
+              </a:rPr>
+              <a:t>Codes 5 (</a:t>
+            </a:r>
+            <a:r>
+              <a:rPr lang="en-US" dirty="0" err="1">
+                <a:latin typeface="Abadi" panose="020B0604020104020204" pitchFamily="34" charset="0"/>
+              </a:rPr>
+              <a:t>con’t</a:t>
+            </a:r>
+            <a:r>
+              <a:rPr lang="en-US" dirty="0">
+                <a:latin typeface="Abadi" panose="020B0604020104020204" pitchFamily="34" charset="0"/>
+              </a:rPr>
+              <a:t>)</a:t>
             </a:r>
           </a:p>
         </p:txBody>
@@ -3538,7 +3838,7 @@
           <p:cNvPr id="3" name="Content Placeholder 2">
             <a:extLst>
               <a:ext uri="{FF2B5EF4-FFF2-40B4-BE49-F238E27FC236}">
-                <a16:creationId xmlns:a16="http://schemas.microsoft.com/office/drawing/2014/main" id="{AB4BC421-4816-E5CB-4A49-07884ACE88E8}"/>
+                <a16:creationId xmlns:a16="http://schemas.microsoft.com/office/drawing/2014/main" id="{D7F15C4C-FF70-8BB6-6FAA-8C8981244BD1}"/>
               </a:ext>
             </a:extLst>
           </p:cNvPr>
@@ -3549,74 +3849,98 @@
             <p:ph idx="1"/>
           </p:nvPr>
         </p:nvSpPr>
-        <p:spPr/>
-        <p:txBody>
-          <a:bodyPr/>
-          <a:lstStyle/>
-          <a:p>
-            <a:r>
-              <a:rPr lang="en-GB" dirty="0"/>
-              <a:t>To switch the model to our own understanding, go to Demand Constraint function in Python Codes and change:</a:t>
-            </a:r>
-          </a:p>
+        <p:spPr>
+          <a:xfrm>
+            <a:off x="838200" y="1825625"/>
+            <a:ext cx="4581524" cy="4351338"/>
+          </a:xfrm>
+        </p:spPr>
+        <p:txBody>
+          <a:bodyPr>
+            <a:normAutofit/>
+          </a:bodyPr>
+          <a:lstStyle/>
           <a:p>
             <a:pPr marL="0" indent="0">
               <a:buNone/>
             </a:pPr>
             <a:r>
-              <a:rPr lang="en-GB" dirty="0"/>
-              <a:t>sum(</a:t>
-            </a:r>
-            <a:r>
-              <a:rPr lang="en-GB" dirty="0" err="1"/>
-              <a:t>model.ship</a:t>
-            </a:r>
-            <a:r>
-              <a:rPr lang="en-GB" dirty="0"/>
-              <a:t>[p, r, c] * </a:t>
-            </a:r>
-            <a:r>
-              <a:rPr lang="en-GB" dirty="0" err="1"/>
-              <a:t>sales_price</a:t>
-            </a:r>
-            <a:r>
-              <a:rPr lang="en-GB" dirty="0"/>
-              <a:t>[c][r]  for p in plants) &lt;= demand[c][r] </a:t>
+              <a:rPr lang="en-US" dirty="0">
+                <a:latin typeface="Abadi" panose="020B0604020104020204" pitchFamily="34" charset="0"/>
+              </a:rPr>
+              <a:t>Upon running the codes, you will also get this result on the right.</a:t>
             </a:r>
           </a:p>
           <a:p>
             <a:pPr marL="0" indent="0">
               <a:buNone/>
             </a:pPr>
-            <a:r>
-              <a:rPr lang="en-GB" dirty="0"/>
-              <a:t>to become -&gt; </a:t>
-            </a:r>
+            <a:endParaRPr lang="en-US" dirty="0">
+              <a:latin typeface="Abadi" panose="020B0604020104020204" pitchFamily="34" charset="0"/>
+            </a:endParaRPr>
           </a:p>
           <a:p>
             <a:pPr marL="0" indent="0">
               <a:buNone/>
             </a:pPr>
             <a:r>
-              <a:rPr lang="en-GB" dirty="0"/>
-              <a:t>sum(</a:t>
-            </a:r>
-            <a:r>
-              <a:rPr lang="en-GB" dirty="0" err="1"/>
-              <a:t>model.ship</a:t>
-            </a:r>
-            <a:r>
-              <a:rPr lang="en-GB" dirty="0"/>
-              <a:t>[p, r, c] for p in plants) &lt;= demand[c][r] </a:t>
-            </a:r>
-            <a:endParaRPr lang="en-US" dirty="0"/>
-          </a:p>
-        </p:txBody>
-      </p:sp>
+              <a:rPr lang="en-US" dirty="0">
+                <a:latin typeface="Abadi" panose="020B0604020104020204" pitchFamily="34" charset="0"/>
+              </a:rPr>
+              <a:t>Essentially it shows the </a:t>
+            </a:r>
+            <a:r>
+              <a:rPr lang="en-US" b="1" dirty="0">
+                <a:latin typeface="Abadi" panose="020B0604020104020204" pitchFamily="34" charset="0"/>
+              </a:rPr>
+              <a:t>revenue and cost for each plant after adding 50% demand for </a:t>
+            </a:r>
+            <a:r>
+              <a:rPr lang="en-US" b="1" dirty="0" err="1">
+                <a:latin typeface="Abadi" panose="020B0604020104020204" pitchFamily="34" charset="0"/>
+              </a:rPr>
+              <a:t>RAYco</a:t>
+            </a:r>
+            <a:endParaRPr lang="en-US" b="1" dirty="0">
+              <a:latin typeface="Abadi" panose="020B0604020104020204" pitchFamily="34" charset="0"/>
+            </a:endParaRPr>
+          </a:p>
+        </p:txBody>
+      </p:sp>
+      <p:pic>
+        <p:nvPicPr>
+          <p:cNvPr id="6" name="Picture 5">
+            <a:extLst>
+              <a:ext uri="{FF2B5EF4-FFF2-40B4-BE49-F238E27FC236}">
+                <a16:creationId xmlns:a16="http://schemas.microsoft.com/office/drawing/2014/main" id="{7641E8E1-EB1B-A018-64BF-242B68A6CF9B}"/>
+              </a:ext>
+            </a:extLst>
+          </p:cNvPr>
+          <p:cNvPicPr>
+            <a:picLocks noChangeAspect="1"/>
+          </p:cNvPicPr>
+          <p:nvPr/>
+        </p:nvPicPr>
+        <p:blipFill>
+          <a:blip r:embed="rId2"/>
+          <a:stretch>
+            <a:fillRect/>
+          </a:stretch>
+        </p:blipFill>
+        <p:spPr>
+          <a:xfrm>
+            <a:off x="6604226" y="365125"/>
+            <a:ext cx="4581524" cy="6096860"/>
+          </a:xfrm>
+          <a:prstGeom prst="rect">
+            <a:avLst/>
+          </a:prstGeom>
+        </p:spPr>
+      </p:pic>
     </p:spTree>
     <p:extLst>
       <p:ext uri="{BB962C8B-B14F-4D97-AF65-F5344CB8AC3E}">
-        <p14:creationId xmlns:p14="http://schemas.microsoft.com/office/powerpoint/2010/main" val="4149069149"/>
+        <p14:creationId xmlns:p14="http://schemas.microsoft.com/office/powerpoint/2010/main" val="1574056998"/>
       </p:ext>
     </p:extLst>
   </p:cSld>
@@ -3675,33 +3999,198 @@
       </p:sp>
       <p:sp>
         <p:nvSpPr>
-          <p:cNvPr id="3" name="Content Placeholder 2">
-            <a:extLst>
-              <a:ext uri="{FF2B5EF4-FFF2-40B4-BE49-F238E27FC236}">
-                <a16:creationId xmlns:a16="http://schemas.microsoft.com/office/drawing/2014/main" id="{D7F15C4C-FF70-8BB6-6FAA-8C8981244BD1}"/>
-              </a:ext>
-            </a:extLst>
-          </p:cNvPr>
-          <p:cNvSpPr>
-            <a:spLocks noGrp="1"/>
-          </p:cNvSpPr>
-          <p:nvPr>
-            <p:ph idx="1"/>
-          </p:nvPr>
+          <p:cNvPr id="4" name="Content Placeholder 2">
+            <a:extLst>
+              <a:ext uri="{FF2B5EF4-FFF2-40B4-BE49-F238E27FC236}">
+                <a16:creationId xmlns:a16="http://schemas.microsoft.com/office/drawing/2014/main" id="{A1523A59-2B97-6B22-53BB-35235D177B23}"/>
+              </a:ext>
+            </a:extLst>
+          </p:cNvPr>
+          <p:cNvSpPr txBox="1">
+            <a:spLocks/>
+          </p:cNvSpPr>
+          <p:nvPr/>
         </p:nvSpPr>
         <p:spPr>
           <a:xfrm>
-            <a:off x="838200" y="1825625"/>
-            <a:ext cx="10027722" cy="4351338"/>
+            <a:off x="838200" y="1690687"/>
+            <a:ext cx="10312730" cy="4626985"/>
           </a:xfrm>
+          <a:prstGeom prst="rect">
+            <a:avLst/>
+          </a:prstGeom>
         </p:spPr>
         <p:txBody>
-          <a:bodyPr>
-            <a:normAutofit fontScale="92500" lnSpcReduction="10000"/>
+          <a:bodyPr vert="horz" lIns="91440" tIns="45720" rIns="91440" bIns="45720" rtlCol="0">
+            <a:normAutofit fontScale="77500" lnSpcReduction="20000"/>
           </a:bodyPr>
-          <a:lstStyle/>
+          <a:lstStyle>
+            <a:lvl1pPr marL="228600" indent="-228600" algn="l" defTabSz="914400" rtl="0" eaLnBrk="1" latinLnBrk="0" hangingPunct="1">
+              <a:lnSpc>
+                <a:spcPct val="90000"/>
+              </a:lnSpc>
+              <a:spcBef>
+                <a:spcPts val="1000"/>
+              </a:spcBef>
+              <a:buFont typeface="Arial" panose="020B0604020202020204" pitchFamily="34" charset="0"/>
+              <a:buChar char="•"/>
+              <a:defRPr sz="2800" kern="1200">
+                <a:solidFill>
+                  <a:schemeClr val="tx1"/>
+                </a:solidFill>
+                <a:latin typeface="+mn-lt"/>
+                <a:ea typeface="+mn-ea"/>
+                <a:cs typeface="+mn-cs"/>
+              </a:defRPr>
+            </a:lvl1pPr>
+            <a:lvl2pPr marL="685800" indent="-228600" algn="l" defTabSz="914400" rtl="0" eaLnBrk="1" latinLnBrk="0" hangingPunct="1">
+              <a:lnSpc>
+                <a:spcPct val="90000"/>
+              </a:lnSpc>
+              <a:spcBef>
+                <a:spcPts val="500"/>
+              </a:spcBef>
+              <a:buFont typeface="Arial" panose="020B0604020202020204" pitchFamily="34" charset="0"/>
+              <a:buChar char="•"/>
+              <a:defRPr sz="2400" kern="1200">
+                <a:solidFill>
+                  <a:schemeClr val="tx1"/>
+                </a:solidFill>
+                <a:latin typeface="+mn-lt"/>
+                <a:ea typeface="+mn-ea"/>
+                <a:cs typeface="+mn-cs"/>
+              </a:defRPr>
+            </a:lvl2pPr>
+            <a:lvl3pPr marL="1143000" indent="-228600" algn="l" defTabSz="914400" rtl="0" eaLnBrk="1" latinLnBrk="0" hangingPunct="1">
+              <a:lnSpc>
+                <a:spcPct val="90000"/>
+              </a:lnSpc>
+              <a:spcBef>
+                <a:spcPts val="500"/>
+              </a:spcBef>
+              <a:buFont typeface="Arial" panose="020B0604020202020204" pitchFamily="34" charset="0"/>
+              <a:buChar char="•"/>
+              <a:defRPr sz="2000" kern="1200">
+                <a:solidFill>
+                  <a:schemeClr val="tx1"/>
+                </a:solidFill>
+                <a:latin typeface="+mn-lt"/>
+                <a:ea typeface="+mn-ea"/>
+                <a:cs typeface="+mn-cs"/>
+              </a:defRPr>
+            </a:lvl3pPr>
+            <a:lvl4pPr marL="1600200" indent="-228600" algn="l" defTabSz="914400" rtl="0" eaLnBrk="1" latinLnBrk="0" hangingPunct="1">
+              <a:lnSpc>
+                <a:spcPct val="90000"/>
+              </a:lnSpc>
+              <a:spcBef>
+                <a:spcPts val="500"/>
+              </a:spcBef>
+              <a:buFont typeface="Arial" panose="020B0604020202020204" pitchFamily="34" charset="0"/>
+              <a:buChar char="•"/>
+              <a:defRPr sz="1800" kern="1200">
+                <a:solidFill>
+                  <a:schemeClr val="tx1"/>
+                </a:solidFill>
+                <a:latin typeface="+mn-lt"/>
+                <a:ea typeface="+mn-ea"/>
+                <a:cs typeface="+mn-cs"/>
+              </a:defRPr>
+            </a:lvl4pPr>
+            <a:lvl5pPr marL="2057400" indent="-228600" algn="l" defTabSz="914400" rtl="0" eaLnBrk="1" latinLnBrk="0" hangingPunct="1">
+              <a:lnSpc>
+                <a:spcPct val="90000"/>
+              </a:lnSpc>
+              <a:spcBef>
+                <a:spcPts val="500"/>
+              </a:spcBef>
+              <a:buFont typeface="Arial" panose="020B0604020202020204" pitchFamily="34" charset="0"/>
+              <a:buChar char="•"/>
+              <a:defRPr sz="1800" kern="1200">
+                <a:solidFill>
+                  <a:schemeClr val="tx1"/>
+                </a:solidFill>
+                <a:latin typeface="+mn-lt"/>
+                <a:ea typeface="+mn-ea"/>
+                <a:cs typeface="+mn-cs"/>
+              </a:defRPr>
+            </a:lvl5pPr>
+            <a:lvl6pPr marL="2514600" indent="-228600" algn="l" defTabSz="914400" rtl="0" eaLnBrk="1" latinLnBrk="0" hangingPunct="1">
+              <a:lnSpc>
+                <a:spcPct val="90000"/>
+              </a:lnSpc>
+              <a:spcBef>
+                <a:spcPts val="500"/>
+              </a:spcBef>
+              <a:buFont typeface="Arial" panose="020B0604020202020204" pitchFamily="34" charset="0"/>
+              <a:buChar char="•"/>
+              <a:defRPr sz="1800" kern="1200">
+                <a:solidFill>
+                  <a:schemeClr val="tx1"/>
+                </a:solidFill>
+                <a:latin typeface="+mn-lt"/>
+                <a:ea typeface="+mn-ea"/>
+                <a:cs typeface="+mn-cs"/>
+              </a:defRPr>
+            </a:lvl6pPr>
+            <a:lvl7pPr marL="2971800" indent="-228600" algn="l" defTabSz="914400" rtl="0" eaLnBrk="1" latinLnBrk="0" hangingPunct="1">
+              <a:lnSpc>
+                <a:spcPct val="90000"/>
+              </a:lnSpc>
+              <a:spcBef>
+                <a:spcPts val="500"/>
+              </a:spcBef>
+              <a:buFont typeface="Arial" panose="020B0604020202020204" pitchFamily="34" charset="0"/>
+              <a:buChar char="•"/>
+              <a:defRPr sz="1800" kern="1200">
+                <a:solidFill>
+                  <a:schemeClr val="tx1"/>
+                </a:solidFill>
+                <a:latin typeface="+mn-lt"/>
+                <a:ea typeface="+mn-ea"/>
+                <a:cs typeface="+mn-cs"/>
+              </a:defRPr>
+            </a:lvl7pPr>
+            <a:lvl8pPr marL="3429000" indent="-228600" algn="l" defTabSz="914400" rtl="0" eaLnBrk="1" latinLnBrk="0" hangingPunct="1">
+              <a:lnSpc>
+                <a:spcPct val="90000"/>
+              </a:lnSpc>
+              <a:spcBef>
+                <a:spcPts val="500"/>
+              </a:spcBef>
+              <a:buFont typeface="Arial" panose="020B0604020202020204" pitchFamily="34" charset="0"/>
+              <a:buChar char="•"/>
+              <a:defRPr sz="1800" kern="1200">
+                <a:solidFill>
+                  <a:schemeClr val="tx1"/>
+                </a:solidFill>
+                <a:latin typeface="+mn-lt"/>
+                <a:ea typeface="+mn-ea"/>
+                <a:cs typeface="+mn-cs"/>
+              </a:defRPr>
+            </a:lvl8pPr>
+            <a:lvl9pPr marL="3886200" indent="-228600" algn="l" defTabSz="914400" rtl="0" eaLnBrk="1" latinLnBrk="0" hangingPunct="1">
+              <a:lnSpc>
+                <a:spcPct val="90000"/>
+              </a:lnSpc>
+              <a:spcBef>
+                <a:spcPts val="500"/>
+              </a:spcBef>
+              <a:buFont typeface="Arial" panose="020B0604020202020204" pitchFamily="34" charset="0"/>
+              <a:buChar char="•"/>
+              <a:defRPr sz="1800" kern="1200">
+                <a:solidFill>
+                  <a:schemeClr val="tx1"/>
+                </a:solidFill>
+                <a:latin typeface="+mn-lt"/>
+                <a:ea typeface="+mn-ea"/>
+                <a:cs typeface="+mn-cs"/>
+              </a:defRPr>
+            </a:lvl9pPr>
+          </a:lstStyle>
           <a:p>
             <a:pPr marL="0" indent="0">
+              <a:buFont typeface="Arial" panose="020B0604020202020204" pitchFamily="34" charset="0"/>
               <a:buNone/>
             </a:pPr>
             <a:r>
@@ -3721,22 +4210,24 @@
               <a:rPr lang="en-US" dirty="0">
                 <a:latin typeface="Abadi" panose="020B0604020104020204" pitchFamily="34" charset="0"/>
               </a:rPr>
-              <a:t>, and find the cbc.exe file (inside bin folder)</a:t>
+              <a:t>, and find the bin folder in which the cbc.exe file located</a:t>
             </a:r>
           </a:p>
           <a:p>
             <a:pPr marL="0" indent="0">
+              <a:buFont typeface="Arial" panose="020B0604020202020204" pitchFamily="34" charset="0"/>
               <a:buNone/>
             </a:pPr>
             <a:r>
               <a:rPr lang="en-US" dirty="0">
                 <a:latin typeface="Abadi" panose="020B0604020104020204" pitchFamily="34" charset="0"/>
               </a:rPr>
-              <a:t>Then, change the directory once you open the python codes file</a:t>
+              <a:t>Then, change the directory once you open the python codes file.</a:t>
             </a:r>
           </a:p>
           <a:p>
             <a:pPr marL="0" indent="0">
+              <a:buFont typeface="Arial" panose="020B0604020202020204" pitchFamily="34" charset="0"/>
               <a:buNone/>
             </a:pPr>
             <a:endParaRPr lang="en-US" dirty="0">
@@ -3745,6 +4236,7 @@
           </a:p>
           <a:p>
             <a:pPr marL="0" indent="0">
+              <a:buFont typeface="Arial" panose="020B0604020202020204" pitchFamily="34" charset="0"/>
               <a:buNone/>
             </a:pPr>
             <a:endParaRPr lang="en-US" dirty="0">
@@ -3753,6 +4245,7 @@
           </a:p>
           <a:p>
             <a:pPr marL="0" indent="0">
+              <a:buFont typeface="Arial" panose="020B0604020202020204" pitchFamily="34" charset="0"/>
               <a:buNone/>
             </a:pPr>
             <a:endParaRPr lang="en-US" dirty="0">
@@ -3761,6 +4254,7 @@
           </a:p>
           <a:p>
             <a:pPr marL="0" indent="0">
+              <a:buFont typeface="Arial" panose="020B0604020202020204" pitchFamily="34" charset="0"/>
               <a:buNone/>
             </a:pPr>
             <a:r>
@@ -3772,6 +4266,7 @@
           </a:p>
           <a:p>
             <a:pPr marL="0" indent="0">
+              <a:buFont typeface="Arial" panose="020B0604020202020204" pitchFamily="34" charset="0"/>
               <a:buNone/>
             </a:pPr>
             <a:r>
@@ -3795,6 +4290,7 @@
           </a:p>
           <a:p>
             <a:pPr marL="0" indent="0">
+              <a:buFont typeface="Arial" panose="020B0604020202020204" pitchFamily="34" charset="0"/>
               <a:buNone/>
             </a:pPr>
             <a:endParaRPr lang="en-US" dirty="0">
@@ -3805,18 +4301,70 @@
             <a:pPr marL="0" indent="0">
               <a:buNone/>
             </a:pPr>
+            <a:r>
+              <a:rPr lang="en-US" dirty="0">
+                <a:latin typeface="Abadi" panose="020B0604020104020204" pitchFamily="34" charset="0"/>
+              </a:rPr>
+              <a:t>Note: this is if you want to run the code locally, if you want to run it via Google </a:t>
+            </a:r>
+            <a:r>
+              <a:rPr lang="en-US" dirty="0" err="1">
+                <a:latin typeface="Abadi" panose="020B0604020104020204" pitchFamily="34" charset="0"/>
+              </a:rPr>
+              <a:t>Colab</a:t>
+            </a:r>
+            <a:r>
+              <a:rPr lang="en-US" dirty="0">
+                <a:latin typeface="Abadi" panose="020B0604020104020204" pitchFamily="34" charset="0"/>
+              </a:rPr>
+              <a:t> for example, please review how to install solver by visiting my notebook exercising other problem </a:t>
+            </a:r>
+            <a:r>
+              <a:rPr lang="en-US" dirty="0">
+                <a:latin typeface="Abadi" panose="020B0604020104020204" pitchFamily="34" charset="0"/>
+                <a:hlinkClick r:id="rId3"/>
+              </a:rPr>
+              <a:t>HERE</a:t>
+            </a:r>
             <a:endParaRPr lang="en-US" dirty="0">
               <a:latin typeface="Abadi" panose="020B0604020104020204" pitchFamily="34" charset="0"/>
             </a:endParaRPr>
           </a:p>
+          <a:p>
+            <a:pPr marL="0" indent="0">
+              <a:buFont typeface="Arial" panose="020B0604020202020204" pitchFamily="34" charset="0"/>
+              <a:buNone/>
+            </a:pPr>
+            <a:endParaRPr lang="en-US" dirty="0">
+              <a:latin typeface="Abadi" panose="020B0604020104020204" pitchFamily="34" charset="0"/>
+            </a:endParaRPr>
+          </a:p>
+          <a:p>
+            <a:pPr marL="0" indent="0">
+              <a:buFont typeface="Arial" panose="020B0604020202020204" pitchFamily="34" charset="0"/>
+              <a:buNone/>
+            </a:pPr>
+            <a:endParaRPr lang="en-US" dirty="0">
+              <a:latin typeface="Abadi" panose="020B0604020104020204" pitchFamily="34" charset="0"/>
+            </a:endParaRPr>
+          </a:p>
+          <a:p>
+            <a:pPr marL="0" indent="0">
+              <a:buFont typeface="Arial" panose="020B0604020202020204" pitchFamily="34" charset="0"/>
+              <a:buNone/>
+            </a:pPr>
+            <a:endParaRPr lang="en-US" dirty="0">
+              <a:latin typeface="Abadi" panose="020B0604020104020204" pitchFamily="34" charset="0"/>
+            </a:endParaRPr>
+          </a:p>
         </p:txBody>
       </p:sp>
       <p:pic>
         <p:nvPicPr>
-          <p:cNvPr id="6" name="Picture 5">
-            <a:extLst>
-              <a:ext uri="{FF2B5EF4-FFF2-40B4-BE49-F238E27FC236}">
-                <a16:creationId xmlns:a16="http://schemas.microsoft.com/office/drawing/2014/main" id="{C849B521-B0B6-C56E-2488-956057E5E93D}"/>
+          <p:cNvPr id="5" name="Picture 4">
+            <a:extLst>
+              <a:ext uri="{FF2B5EF4-FFF2-40B4-BE49-F238E27FC236}">
+                <a16:creationId xmlns:a16="http://schemas.microsoft.com/office/drawing/2014/main" id="{42268E8A-D4EC-829E-07E8-BB55975FFB88}"/>
               </a:ext>
             </a:extLst>
           </p:cNvPr>
@@ -3826,15 +4374,15 @@
           <p:nvPr/>
         </p:nvPicPr>
         <p:blipFill>
-          <a:blip r:embed="rId3"/>
+          <a:blip r:embed="rId4"/>
           <a:stretch>
             <a:fillRect/>
           </a:stretch>
         </p:blipFill>
         <p:spPr>
           <a:xfrm>
-            <a:off x="937223" y="3153569"/>
-            <a:ext cx="7419975" cy="847725"/>
+            <a:off x="838200" y="2710775"/>
+            <a:ext cx="7945730" cy="907792"/>
           </a:xfrm>
           <a:prstGeom prst="rect">
             <a:avLst/>
@@ -3969,10 +4517,10 @@
       </p:sp>
       <p:pic>
         <p:nvPicPr>
-          <p:cNvPr id="5" name="Picture 4">
-            <a:extLst>
-              <a:ext uri="{FF2B5EF4-FFF2-40B4-BE49-F238E27FC236}">
-                <a16:creationId xmlns:a16="http://schemas.microsoft.com/office/drawing/2014/main" id="{6F23C0D6-9334-9A68-63EE-7C77F1212371}"/>
+          <p:cNvPr id="6" name="Picture 5">
+            <a:extLst>
+              <a:ext uri="{FF2B5EF4-FFF2-40B4-BE49-F238E27FC236}">
+                <a16:creationId xmlns:a16="http://schemas.microsoft.com/office/drawing/2014/main" id="{FED042B5-0025-6942-57DB-8E49304DAA43}"/>
               </a:ext>
             </a:extLst>
           </p:cNvPr>
@@ -3989,8 +4537,8 @@
         </p:blipFill>
         <p:spPr>
           <a:xfrm>
-            <a:off x="6772275" y="604837"/>
-            <a:ext cx="4581525" cy="5648325"/>
+            <a:off x="6686550" y="585787"/>
+            <a:ext cx="4667250" cy="5686425"/>
           </a:xfrm>
           <a:prstGeom prst="rect">
             <a:avLst/>
@@ -4137,10 +4685,10 @@
       </p:sp>
       <p:pic>
         <p:nvPicPr>
-          <p:cNvPr id="6" name="Picture 5">
-            <a:extLst>
-              <a:ext uri="{FF2B5EF4-FFF2-40B4-BE49-F238E27FC236}">
-                <a16:creationId xmlns:a16="http://schemas.microsoft.com/office/drawing/2014/main" id="{A8B0A073-7B54-093E-AF87-4799D2D812E0}"/>
+          <p:cNvPr id="5" name="Picture 4">
+            <a:extLst>
+              <a:ext uri="{FF2B5EF4-FFF2-40B4-BE49-F238E27FC236}">
+                <a16:creationId xmlns:a16="http://schemas.microsoft.com/office/drawing/2014/main" id="{EE5D9156-988E-95AD-93CB-8CD2CCBD7E74}"/>
               </a:ext>
             </a:extLst>
           </p:cNvPr>
@@ -4157,8 +4705,8 @@
         </p:blipFill>
         <p:spPr>
           <a:xfrm>
-            <a:off x="6987023" y="681617"/>
-            <a:ext cx="4366777" cy="5811258"/>
+            <a:off x="6998899" y="481240"/>
+            <a:ext cx="4354901" cy="5695723"/>
           </a:xfrm>
           <a:prstGeom prst="rect">
             <a:avLst/>
@@ -4249,7 +4797,7 @@
         </p:spPr>
         <p:txBody>
           <a:bodyPr>
-            <a:normAutofit fontScale="77500" lnSpcReduction="20000"/>
+            <a:normAutofit fontScale="70000" lnSpcReduction="20000"/>
           </a:bodyPr>
           <a:lstStyle/>
           <a:p>
@@ -4260,7 +4808,7 @@
               <a:rPr lang="en-US" dirty="0">
                 <a:latin typeface="Abadi" panose="020B0604020104020204" pitchFamily="34" charset="0"/>
               </a:rPr>
-              <a:t>Upon running the codes, you will also get this result on the right.</a:t>
+              <a:t>Upon running the codes, you will get this result on the right.</a:t>
             </a:r>
           </a:p>
           <a:p>
@@ -4304,45 +4852,49 @@
               <a:rPr lang="en-US" dirty="0">
                 <a:latin typeface="Abadi" panose="020B0604020104020204" pitchFamily="34" charset="0"/>
               </a:rPr>
-              <a:t>It means the shadow price for material constraints is 0. Adding material will give no effect</a:t>
+              <a:t>It means the shadow price for material constraints is around $0.66. And the allowable increase is around 140 </a:t>
+            </a:r>
+            <a:r>
+              <a:rPr lang="en-US" dirty="0" err="1">
+                <a:latin typeface="Abadi" panose="020B0604020104020204" pitchFamily="34" charset="0"/>
+              </a:rPr>
+              <a:t>lbs</a:t>
+            </a:r>
+            <a:r>
+              <a:rPr lang="en-US" dirty="0">
+                <a:latin typeface="Abadi" panose="020B0604020104020204" pitchFamily="34" charset="0"/>
+              </a:rPr>
+              <a:t>, meaning that the profit will not be increased anymore after this point since material will not be the limiting constraint.</a:t>
             </a:r>
           </a:p>
           <a:p>
             <a:pPr marL="0" indent="0">
               <a:buNone/>
             </a:pPr>
+            <a:r>
+              <a:rPr lang="en-US" dirty="0">
+                <a:latin typeface="Abadi" panose="020B0604020104020204" pitchFamily="34" charset="0"/>
+              </a:rPr>
+              <a:t>Note: shadow price explains </a:t>
+            </a:r>
+            <a:r>
+              <a:rPr lang="en-GB" dirty="0">
+                <a:latin typeface="Abadi" panose="020B0604020104020204" pitchFamily="34" charset="0"/>
+              </a:rPr>
+              <a:t>the maximum price which should be paid to obtain an additional unit of resource</a:t>
+            </a:r>
             <a:endParaRPr lang="en-US" dirty="0">
               <a:latin typeface="Abadi" panose="020B0604020104020204" pitchFamily="34" charset="0"/>
             </a:endParaRPr>
           </a:p>
-          <a:p>
-            <a:pPr marL="0" indent="0">
-              <a:buNone/>
-            </a:pPr>
-            <a:r>
-              <a:rPr lang="en-US" dirty="0">
-                <a:latin typeface="Abadi" panose="020B0604020104020204" pitchFamily="34" charset="0"/>
-              </a:rPr>
-              <a:t>Note: shadow price explains </a:t>
-            </a:r>
-            <a:r>
-              <a:rPr lang="en-GB" dirty="0">
-                <a:latin typeface="Abadi" panose="020B0604020104020204" pitchFamily="34" charset="0"/>
-              </a:rPr>
-              <a:t>the maximum price which should be paid to obtain an additional unit of resource</a:t>
-            </a:r>
-            <a:endParaRPr lang="en-US" dirty="0">
-              <a:latin typeface="Abadi" panose="020B0604020104020204" pitchFamily="34" charset="0"/>
-            </a:endParaRPr>
-          </a:p>
         </p:txBody>
       </p:sp>
       <p:pic>
         <p:nvPicPr>
-          <p:cNvPr id="5" name="Picture 4">
-            <a:extLst>
-              <a:ext uri="{FF2B5EF4-FFF2-40B4-BE49-F238E27FC236}">
-                <a16:creationId xmlns:a16="http://schemas.microsoft.com/office/drawing/2014/main" id="{9B3FD6E5-20C6-0EFF-7151-5B184ED4D1DF}"/>
+          <p:cNvPr id="6" name="Picture 5">
+            <a:extLst>
+              <a:ext uri="{FF2B5EF4-FFF2-40B4-BE49-F238E27FC236}">
+                <a16:creationId xmlns:a16="http://schemas.microsoft.com/office/drawing/2014/main" id="{5FE57755-80A6-640C-3A1A-3F06D9BACDAD}"/>
               </a:ext>
             </a:extLst>
           </p:cNvPr>
@@ -4359,8 +4911,8 @@
         </p:blipFill>
         <p:spPr>
           <a:xfrm>
-            <a:off x="6770378" y="1509540"/>
-            <a:ext cx="4939682" cy="3530159"/>
+            <a:off x="6662949" y="1533291"/>
+            <a:ext cx="5041270" cy="3530159"/>
           </a:xfrm>
           <a:prstGeom prst="rect">
             <a:avLst/>
@@ -4422,7 +4974,7 @@
               <a:rPr lang="en-US" dirty="0">
                 <a:latin typeface="Abadi" panose="020B0604020104020204" pitchFamily="34" charset="0"/>
               </a:rPr>
-              <a:t>Codes 3</a:t>
+              <a:t>Codes 2 – Alternate (Shadow Price)</a:t>
             </a:r>
           </a:p>
         </p:txBody>
@@ -4445,13 +4997,13 @@
         </p:nvSpPr>
         <p:spPr>
           <a:xfrm>
-            <a:off x="838199" y="1825625"/>
-            <a:ext cx="5491349" cy="4351338"/>
+            <a:off x="660070" y="1825625"/>
+            <a:ext cx="5889976" cy="4351338"/>
           </a:xfrm>
         </p:spPr>
         <p:txBody>
           <a:bodyPr>
-            <a:normAutofit fontScale="77500" lnSpcReduction="20000"/>
+            <a:normAutofit fontScale="62500" lnSpcReduction="20000"/>
           </a:bodyPr>
           <a:lstStyle/>
           <a:p>
@@ -4459,92 +5011,103 @@
               <a:buNone/>
             </a:pPr>
             <a:r>
-              <a:rPr lang="en-US" dirty="0">
-                <a:latin typeface="Abadi" panose="020B0604020104020204" pitchFamily="34" charset="0"/>
-              </a:rPr>
-              <a:t>Upon running the codes, you will also get this result on the right.</a:t>
+              <a:rPr lang="en-GB" dirty="0">
+                <a:latin typeface="Abadi" panose="020B0604020104020204" pitchFamily="34" charset="0"/>
+              </a:rPr>
+              <a:t>Talking about what we have done in Codes 2, understand that we want to check the shadow price or maximum price per additional resource we opt to pay. </a:t>
             </a:r>
           </a:p>
           <a:p>
             <a:pPr marL="0" indent="0">
               <a:buNone/>
             </a:pPr>
+            <a:endParaRPr lang="en-GB" dirty="0">
+              <a:latin typeface="Abadi" panose="020B0604020104020204" pitchFamily="34" charset="0"/>
+            </a:endParaRPr>
+          </a:p>
+          <a:p>
+            <a:pPr marL="0" indent="0">
+              <a:buNone/>
+            </a:pPr>
+            <a:r>
+              <a:rPr lang="en-GB" dirty="0">
+                <a:latin typeface="Abadi" panose="020B0604020104020204" pitchFamily="34" charset="0"/>
+              </a:rPr>
+              <a:t>In </a:t>
+            </a:r>
+            <a:r>
+              <a:rPr lang="en-GB" dirty="0" err="1">
+                <a:latin typeface="Abadi" panose="020B0604020104020204" pitchFamily="34" charset="0"/>
+              </a:rPr>
+              <a:t>Pyomo</a:t>
+            </a:r>
+            <a:r>
+              <a:rPr lang="en-GB" dirty="0">
+                <a:latin typeface="Abadi" panose="020B0604020104020204" pitchFamily="34" charset="0"/>
+              </a:rPr>
+              <a:t>, there’s a way to extract this value without generating the line chart like before (so we do not need to do for loop and accumulate the result for the plotting)</a:t>
+            </a:r>
+          </a:p>
+          <a:p>
+            <a:pPr marL="0" indent="0">
+              <a:buNone/>
+            </a:pPr>
+            <a:endParaRPr lang="en-GB" dirty="0">
+              <a:latin typeface="Abadi" panose="020B0604020104020204" pitchFamily="34" charset="0"/>
+            </a:endParaRPr>
+          </a:p>
+          <a:p>
+            <a:pPr marL="0" indent="0">
+              <a:buNone/>
+            </a:pPr>
+            <a:r>
+              <a:rPr lang="en-GB" dirty="0">
+                <a:latin typeface="Abadi" panose="020B0604020104020204" pitchFamily="34" charset="0"/>
+              </a:rPr>
+              <a:t>Please observed the codes and notice it’s rather blatant differences compared to codes 2.</a:t>
+            </a:r>
+          </a:p>
+          <a:p>
+            <a:pPr marL="0" indent="0">
+              <a:buNone/>
+            </a:pPr>
+            <a:endParaRPr lang="en-GB" dirty="0">
+              <a:latin typeface="Abadi" panose="020B0604020104020204" pitchFamily="34" charset="0"/>
+            </a:endParaRPr>
+          </a:p>
+          <a:p>
+            <a:pPr marL="0" indent="0">
+              <a:buNone/>
+            </a:pPr>
+            <a:r>
+              <a:rPr lang="en-GB" dirty="0">
+                <a:latin typeface="Abadi" panose="020B0604020104020204" pitchFamily="34" charset="0"/>
+              </a:rPr>
+              <a:t>Upon running, you will get result on the right.  </a:t>
+            </a:r>
+          </a:p>
+          <a:p>
+            <a:pPr marL="0" indent="0">
+              <a:buNone/>
+            </a:pPr>
+            <a:r>
+              <a:rPr lang="en-GB" dirty="0">
+                <a:latin typeface="Abadi" panose="020B0604020104020204" pitchFamily="34" charset="0"/>
+              </a:rPr>
+              <a:t>NOTE: the result is lower than previous codes 2 which imply nonoptimality. This is due to the solver used is different. Previously was CBC, and for this trial we use IPOPT.  </a:t>
+            </a:r>
             <a:endParaRPr lang="en-US" dirty="0">
               <a:latin typeface="Abadi" panose="020B0604020104020204" pitchFamily="34" charset="0"/>
             </a:endParaRPr>
           </a:p>
-          <a:p>
-            <a:pPr marL="0" indent="0">
-              <a:buNone/>
-            </a:pPr>
-            <a:r>
-              <a:rPr lang="en-US" dirty="0">
-                <a:latin typeface="Abadi" panose="020B0604020104020204" pitchFamily="34" charset="0"/>
-              </a:rPr>
-              <a:t>Essentially it shows the </a:t>
-            </a:r>
-            <a:r>
-              <a:rPr lang="en-US" b="1" dirty="0">
-                <a:latin typeface="Abadi" panose="020B0604020104020204" pitchFamily="34" charset="0"/>
-              </a:rPr>
-              <a:t>marginal increase of profit upon adding additional inspection capacity resources</a:t>
-            </a:r>
-          </a:p>
-          <a:p>
-            <a:pPr marL="0" indent="0">
-              <a:buNone/>
-            </a:pPr>
-            <a:endParaRPr lang="en-US" b="1" dirty="0">
-              <a:latin typeface="Abadi" panose="020B0604020104020204" pitchFamily="34" charset="0"/>
-            </a:endParaRPr>
-          </a:p>
-          <a:p>
-            <a:pPr marL="0" indent="0">
-              <a:buNone/>
-            </a:pPr>
-            <a:r>
-              <a:rPr lang="en-US" dirty="0">
-                <a:latin typeface="Abadi" panose="020B0604020104020204" pitchFamily="34" charset="0"/>
-              </a:rPr>
-              <a:t>It means the shadow price for inspection capacity constraints is 0. Adding more capacity will give no effect</a:t>
-            </a:r>
-          </a:p>
-          <a:p>
-            <a:pPr marL="0" indent="0">
-              <a:buNone/>
-            </a:pPr>
-            <a:endParaRPr lang="en-US" dirty="0">
-              <a:latin typeface="Abadi" panose="020B0604020104020204" pitchFamily="34" charset="0"/>
-            </a:endParaRPr>
-          </a:p>
-          <a:p>
-            <a:pPr marL="0" indent="0">
-              <a:buNone/>
-            </a:pPr>
-            <a:r>
-              <a:rPr lang="en-US" dirty="0">
-                <a:latin typeface="Abadi" panose="020B0604020104020204" pitchFamily="34" charset="0"/>
-              </a:rPr>
-              <a:t>Note: shadow price explains </a:t>
-            </a:r>
-            <a:r>
-              <a:rPr lang="en-GB" dirty="0">
-                <a:latin typeface="Abadi" panose="020B0604020104020204" pitchFamily="34" charset="0"/>
-              </a:rPr>
-              <a:t>the maximum price which should be paid to obtain an additional unit of resource</a:t>
-            </a:r>
-            <a:endParaRPr lang="en-US" dirty="0">
-              <a:latin typeface="Abadi" panose="020B0604020104020204" pitchFamily="34" charset="0"/>
-            </a:endParaRPr>
-          </a:p>
         </p:txBody>
       </p:sp>
       <p:pic>
         <p:nvPicPr>
-          <p:cNvPr id="6" name="Picture 5">
-            <a:extLst>
-              <a:ext uri="{FF2B5EF4-FFF2-40B4-BE49-F238E27FC236}">
-                <a16:creationId xmlns:a16="http://schemas.microsoft.com/office/drawing/2014/main" id="{8A73DC0A-3008-0B9D-DBBC-A7D64E82FF7F}"/>
+          <p:cNvPr id="5" name="Picture 4">
+            <a:extLst>
+              <a:ext uri="{FF2B5EF4-FFF2-40B4-BE49-F238E27FC236}">
+                <a16:creationId xmlns:a16="http://schemas.microsoft.com/office/drawing/2014/main" id="{26D250E4-B507-E3EB-8401-09E8A2E7D8A5}"/>
               </a:ext>
             </a:extLst>
           </p:cNvPr>
@@ -4561,8 +5124,8 @@
         </p:blipFill>
         <p:spPr>
           <a:xfrm>
-            <a:off x="6664595" y="1690688"/>
-            <a:ext cx="4990476" cy="3530159"/>
+            <a:off x="6728175" y="3171825"/>
+            <a:ext cx="5172075" cy="257175"/>
           </a:xfrm>
           <a:prstGeom prst="rect">
             <a:avLst/>
@@ -4572,7 +5135,7 @@
     </p:spTree>
     <p:extLst>
       <p:ext uri="{BB962C8B-B14F-4D97-AF65-F5344CB8AC3E}">
-        <p14:creationId xmlns:p14="http://schemas.microsoft.com/office/powerpoint/2010/main" val="3074788184"/>
+        <p14:creationId xmlns:p14="http://schemas.microsoft.com/office/powerpoint/2010/main" val="1605581108"/>
       </p:ext>
     </p:extLst>
   </p:cSld>
@@ -4624,7 +5187,7 @@
               <a:rPr lang="en-US" dirty="0">
                 <a:latin typeface="Abadi" panose="020B0604020104020204" pitchFamily="34" charset="0"/>
               </a:rPr>
-              <a:t>Codes 4</a:t>
+              <a:t>Codes 3</a:t>
             </a:r>
           </a:p>
         </p:txBody>
@@ -4653,7 +5216,7 @@
         </p:spPr>
         <p:txBody>
           <a:bodyPr>
-            <a:normAutofit fontScale="85000" lnSpcReduction="20000"/>
+            <a:normAutofit fontScale="77500" lnSpcReduction="20000"/>
           </a:bodyPr>
           <a:lstStyle/>
           <a:p>
@@ -4689,7 +5252,7 @@
               <a:rPr lang="en-US" b="1" dirty="0">
                 <a:latin typeface="Abadi" panose="020B0604020104020204" pitchFamily="34" charset="0"/>
               </a:rPr>
-              <a:t>marginal increase of profit upon adding machine hours for each plant</a:t>
+              <a:t>marginal increase of profit upon adding additional inspection capacity resources</a:t>
             </a:r>
           </a:p>
           <a:p>
@@ -4708,8 +5271,36 @@
               <a:rPr lang="en-US" dirty="0">
                 <a:latin typeface="Abadi" panose="020B0604020104020204" pitchFamily="34" charset="0"/>
               </a:rPr>
-              <a:t>It means the shadow price for plant 3 which giving the best possible increase of profit, is 0.8 and after adding 19 hours, the profit is not increasing anymore as the constraint for the machine will be unbinding. (19 hours signifies the allowable increase)</a:t>
-            </a:r>
+              <a:t>It means the shadow price for inspection capacity constraints is 0. Adding more capacity will give no effect</a:t>
+            </a:r>
+          </a:p>
+          <a:p>
+            <a:pPr marL="0" indent="0">
+              <a:buNone/>
+            </a:pPr>
+            <a:endParaRPr lang="en-US" dirty="0">
+              <a:latin typeface="Abadi" panose="020B0604020104020204" pitchFamily="34" charset="0"/>
+            </a:endParaRPr>
+          </a:p>
+          <a:p>
+            <a:pPr marL="0" indent="0">
+              <a:buNone/>
+            </a:pPr>
+            <a:r>
+              <a:rPr lang="en-US" dirty="0">
+                <a:latin typeface="Abadi" panose="020B0604020104020204" pitchFamily="34" charset="0"/>
+              </a:rPr>
+              <a:t>Note: shadow price explains </a:t>
+            </a:r>
+            <a:r>
+              <a:rPr lang="en-GB" dirty="0">
+                <a:latin typeface="Abadi" panose="020B0604020104020204" pitchFamily="34" charset="0"/>
+              </a:rPr>
+              <a:t>the maximum price which should be paid to obtain an additional unit of resource</a:t>
+            </a:r>
+            <a:endParaRPr lang="en-US" dirty="0">
+              <a:latin typeface="Abadi" panose="020B0604020104020204" pitchFamily="34" charset="0"/>
+            </a:endParaRPr>
           </a:p>
         </p:txBody>
       </p:sp>
@@ -4718,7 +5309,7 @@
           <p:cNvPr id="5" name="Picture 4">
             <a:extLst>
               <a:ext uri="{FF2B5EF4-FFF2-40B4-BE49-F238E27FC236}">
-                <a16:creationId xmlns:a16="http://schemas.microsoft.com/office/drawing/2014/main" id="{DB89E7A4-A3DE-B3B5-1C00-67B000A69884}"/>
+                <a16:creationId xmlns:a16="http://schemas.microsoft.com/office/drawing/2014/main" id="{2FB4C657-E3C8-EBAE-61C6-8DF8E4456F3A}"/>
               </a:ext>
             </a:extLst>
           </p:cNvPr>
@@ -4735,38 +5326,8 @@
         </p:blipFill>
         <p:spPr>
           <a:xfrm>
-            <a:off x="6592520" y="471135"/>
-            <a:ext cx="5015873" cy="3530159"/>
-          </a:xfrm>
-          <a:prstGeom prst="rect">
-            <a:avLst/>
-          </a:prstGeom>
-        </p:spPr>
-      </p:pic>
-      <p:pic>
-        <p:nvPicPr>
-          <p:cNvPr id="8" name="Picture 7">
-            <a:extLst>
-              <a:ext uri="{FF2B5EF4-FFF2-40B4-BE49-F238E27FC236}">
-                <a16:creationId xmlns:a16="http://schemas.microsoft.com/office/drawing/2014/main" id="{A639FD20-FDAA-6FC7-2CF6-A1933F1BA5EC}"/>
-              </a:ext>
-            </a:extLst>
-          </p:cNvPr>
-          <p:cNvPicPr>
-            <a:picLocks noChangeAspect="1"/>
-          </p:cNvPicPr>
-          <p:nvPr/>
-        </p:nvPicPr>
-        <p:blipFill>
-          <a:blip r:embed="rId3"/>
-          <a:stretch>
-            <a:fillRect/>
-          </a:stretch>
-        </p:blipFill>
-        <p:spPr>
-          <a:xfrm>
-            <a:off x="6681727" y="4309611"/>
-            <a:ext cx="5407354" cy="2304365"/>
+            <a:off x="6638375" y="1390787"/>
+            <a:ext cx="5236949" cy="3648802"/>
           </a:xfrm>
           <a:prstGeom prst="rect">
             <a:avLst/>
@@ -4776,7 +5337,7 @@
     </p:spTree>
     <p:extLst>
       <p:ext uri="{BB962C8B-B14F-4D97-AF65-F5344CB8AC3E}">
-        <p14:creationId xmlns:p14="http://schemas.microsoft.com/office/powerpoint/2010/main" val="2547325423"/>
+        <p14:creationId xmlns:p14="http://schemas.microsoft.com/office/powerpoint/2010/main" val="3074788184"/>
       </p:ext>
     </p:extLst>
   </p:cSld>
@@ -4828,7 +5389,7 @@
               <a:rPr lang="en-US" dirty="0">
                 <a:latin typeface="Abadi" panose="020B0604020104020204" pitchFamily="34" charset="0"/>
               </a:rPr>
-              <a:t>Codes 5</a:t>
+              <a:t>Codes 4</a:t>
             </a:r>
           </a:p>
         </p:txBody>
@@ -4851,13 +5412,13 @@
         </p:nvSpPr>
         <p:spPr>
           <a:xfrm>
-            <a:off x="838200" y="1825625"/>
-            <a:ext cx="4581524" cy="4351338"/>
+            <a:off x="846578" y="1598514"/>
+            <a:ext cx="5491349" cy="4894361"/>
           </a:xfrm>
         </p:spPr>
         <p:txBody>
           <a:bodyPr>
-            <a:normAutofit fontScale="85000" lnSpcReduction="10000"/>
+            <a:normAutofit fontScale="92500" lnSpcReduction="20000"/>
           </a:bodyPr>
           <a:lstStyle/>
           <a:p>
@@ -4868,7 +5429,7 @@
               <a:rPr lang="en-US" dirty="0">
                 <a:latin typeface="Abadi" panose="020B0604020104020204" pitchFamily="34" charset="0"/>
               </a:rPr>
-              <a:t>Upon running the codes, you will get this result on the right.</a:t>
+              <a:t>Upon running the codes, you will also get this result on the right.</a:t>
             </a:r>
           </a:p>
           <a:p>
@@ -4893,17 +5454,8 @@
               <a:rPr lang="en-US" b="1" dirty="0">
                 <a:latin typeface="Abadi" panose="020B0604020104020204" pitchFamily="34" charset="0"/>
               </a:rPr>
-              <a:t>planning of production and shipping after adding 50% demand for </a:t>
-            </a:r>
-            <a:r>
-              <a:rPr lang="en-US" b="1" dirty="0" err="1">
-                <a:latin typeface="Abadi" panose="020B0604020104020204" pitchFamily="34" charset="0"/>
-              </a:rPr>
-              <a:t>RAYco</a:t>
-            </a:r>
-            <a:endParaRPr lang="en-US" b="1" dirty="0">
-              <a:latin typeface="Abadi" panose="020B0604020104020204" pitchFamily="34" charset="0"/>
-            </a:endParaRPr>
+              <a:t>marginal increase of profit upon adding machine hours for each plant</a:t>
+            </a:r>
           </a:p>
           <a:p>
             <a:pPr marL="0" indent="0">
@@ -4921,19 +5473,7 @@
               <a:rPr lang="en-US" dirty="0">
                 <a:latin typeface="Abadi" panose="020B0604020104020204" pitchFamily="34" charset="0"/>
               </a:rPr>
-              <a:t>Note that total profit is increasing compared to without demand, this indicate that the model is opting to fulfill </a:t>
-            </a:r>
-            <a:r>
-              <a:rPr lang="en-US" dirty="0" err="1">
-                <a:latin typeface="Abadi" panose="020B0604020104020204" pitchFamily="34" charset="0"/>
-              </a:rPr>
-              <a:t>RAYco</a:t>
-            </a:r>
-            <a:r>
-              <a:rPr lang="en-US" dirty="0">
-                <a:latin typeface="Abadi" panose="020B0604020104020204" pitchFamily="34" charset="0"/>
-              </a:rPr>
-              <a:t> demand due to its sales price</a:t>
+              <a:t>It means the shadow price for plant 3 which giving the best possible increase of profit, is 0.09 and after adding 92 hours, the profit is not increasing anymore (or increasing but now too insignificantly). 92 hours signifies the allowable increase.</a:t>
             </a:r>
           </a:p>
         </p:txBody>
@@ -4943,7 +5483,7 @@
           <p:cNvPr id="6" name="Picture 5">
             <a:extLst>
               <a:ext uri="{FF2B5EF4-FFF2-40B4-BE49-F238E27FC236}">
-                <a16:creationId xmlns:a16="http://schemas.microsoft.com/office/drawing/2014/main" id="{F0AB0A5F-D780-48CF-639D-68C014A1816A}"/>
+                <a16:creationId xmlns:a16="http://schemas.microsoft.com/office/drawing/2014/main" id="{87D2938B-0587-96BE-B59F-CCE24AEFD055}"/>
               </a:ext>
             </a:extLst>
           </p:cNvPr>
@@ -4960,8 +5500,38 @@
         </p:blipFill>
         <p:spPr>
           <a:xfrm>
-            <a:off x="6532046" y="365125"/>
-            <a:ext cx="4975143" cy="6364306"/>
+            <a:off x="6606394" y="244024"/>
+            <a:ext cx="5015873" cy="3530159"/>
+          </a:xfrm>
+          <a:prstGeom prst="rect">
+            <a:avLst/>
+          </a:prstGeom>
+        </p:spPr>
+      </p:pic>
+      <p:pic>
+        <p:nvPicPr>
+          <p:cNvPr id="13" name="Picture 12">
+            <a:extLst>
+              <a:ext uri="{FF2B5EF4-FFF2-40B4-BE49-F238E27FC236}">
+                <a16:creationId xmlns:a16="http://schemas.microsoft.com/office/drawing/2014/main" id="{C421CC72-F0A6-5D77-2EF2-05017C3AE136}"/>
+              </a:ext>
+            </a:extLst>
+          </p:cNvPr>
+          <p:cNvPicPr>
+            <a:picLocks noChangeAspect="1"/>
+          </p:cNvPicPr>
+          <p:nvPr/>
+        </p:nvPicPr>
+        <p:blipFill>
+          <a:blip r:embed="rId3"/>
+          <a:stretch>
+            <a:fillRect/>
+          </a:stretch>
+        </p:blipFill>
+        <p:spPr>
+          <a:xfrm>
+            <a:off x="6943389" y="3814018"/>
+            <a:ext cx="4678878" cy="2799958"/>
           </a:xfrm>
           <a:prstGeom prst="rect">
             <a:avLst/>
@@ -4971,7 +5541,7 @@
     </p:spTree>
     <p:extLst>
       <p:ext uri="{BB962C8B-B14F-4D97-AF65-F5344CB8AC3E}">
-        <p14:creationId xmlns:p14="http://schemas.microsoft.com/office/powerpoint/2010/main" val="603529"/>
+        <p14:creationId xmlns:p14="http://schemas.microsoft.com/office/powerpoint/2010/main" val="2547325423"/>
       </p:ext>
     </p:extLst>
   </p:cSld>
@@ -5023,19 +5593,7 @@
               <a:rPr lang="en-US" dirty="0">
                 <a:latin typeface="Abadi" panose="020B0604020104020204" pitchFamily="34" charset="0"/>
               </a:rPr>
-              <a:t>Codes 5 (</a:t>
-            </a:r>
-            <a:r>
-              <a:rPr lang="en-US" dirty="0" err="1">
-                <a:latin typeface="Abadi" panose="020B0604020104020204" pitchFamily="34" charset="0"/>
-              </a:rPr>
-              <a:t>con’t</a:t>
-            </a:r>
-            <a:r>
-              <a:rPr lang="en-US" dirty="0">
-                <a:latin typeface="Abadi" panose="020B0604020104020204" pitchFamily="34" charset="0"/>
-              </a:rPr>
-              <a:t>)</a:t>
+              <a:t>Codes 5</a:t>
             </a:r>
           </a:p>
         </p:txBody>
@@ -5064,7 +5622,7 @@
         </p:spPr>
         <p:txBody>
           <a:bodyPr>
-            <a:normAutofit/>
+            <a:normAutofit fontScale="85000" lnSpcReduction="10000"/>
           </a:bodyPr>
           <a:lstStyle/>
           <a:p>
@@ -5075,7 +5633,7 @@
               <a:rPr lang="en-US" dirty="0">
                 <a:latin typeface="Abadi" panose="020B0604020104020204" pitchFamily="34" charset="0"/>
               </a:rPr>
-              <a:t>Upon running the codes, you will also get this result on the right.</a:t>
+              <a:t>Upon running the codes, you will get this result on the right.</a:t>
             </a:r>
           </a:p>
           <a:p>
@@ -5100,7 +5658,7 @@
               <a:rPr lang="en-US" b="1" dirty="0">
                 <a:latin typeface="Abadi" panose="020B0604020104020204" pitchFamily="34" charset="0"/>
               </a:rPr>
-              <a:t>revenue and cost for each plant after adding 50% demand for </a:t>
+              <a:t>planning of production and shipping after adding 50% demand for </a:t>
             </a:r>
             <a:r>
               <a:rPr lang="en-US" b="1" dirty="0" err="1">
@@ -5112,6 +5670,37 @@
               <a:latin typeface="Abadi" panose="020B0604020104020204" pitchFamily="34" charset="0"/>
             </a:endParaRPr>
           </a:p>
+          <a:p>
+            <a:pPr marL="0" indent="0">
+              <a:buNone/>
+            </a:pPr>
+            <a:endParaRPr lang="en-US" b="1" dirty="0">
+              <a:latin typeface="Abadi" panose="020B0604020104020204" pitchFamily="34" charset="0"/>
+            </a:endParaRPr>
+          </a:p>
+          <a:p>
+            <a:pPr marL="0" indent="0">
+              <a:buNone/>
+            </a:pPr>
+            <a:r>
+              <a:rPr lang="en-US" dirty="0">
+                <a:latin typeface="Abadi" panose="020B0604020104020204" pitchFamily="34" charset="0"/>
+              </a:rPr>
+              <a:t>Note that total profit is increasing compared to without demand, this indicate that the model is opting to fulfill </a:t>
+            </a:r>
+            <a:r>
+              <a:rPr lang="en-US" dirty="0" err="1">
+                <a:latin typeface="Abadi" panose="020B0604020104020204" pitchFamily="34" charset="0"/>
+              </a:rPr>
+              <a:t>RAYco</a:t>
+            </a:r>
+            <a:r>
+              <a:rPr lang="en-US" dirty="0">
+                <a:latin typeface="Abadi" panose="020B0604020104020204" pitchFamily="34" charset="0"/>
+              </a:rPr>
+              <a:t> demand due to its sales price</a:t>
+            </a:r>
+          </a:p>
         </p:txBody>
       </p:sp>
       <p:pic>
@@ -5119,7 +5708,7 @@
           <p:cNvPr id="5" name="Picture 4">
             <a:extLst>
               <a:ext uri="{FF2B5EF4-FFF2-40B4-BE49-F238E27FC236}">
-                <a16:creationId xmlns:a16="http://schemas.microsoft.com/office/drawing/2014/main" id="{9186502E-3E2E-E026-E0DC-AC1192B05BEA}"/>
+                <a16:creationId xmlns:a16="http://schemas.microsoft.com/office/drawing/2014/main" id="{3875105B-1CEB-5E12-46BC-85F026DDBE48}"/>
               </a:ext>
             </a:extLst>
           </p:cNvPr>
@@ -5136,8 +5725,8 @@
         </p:blipFill>
         <p:spPr>
           <a:xfrm>
-            <a:off x="6338145" y="449283"/>
-            <a:ext cx="4729658" cy="5969238"/>
+            <a:off x="6621242" y="251062"/>
+            <a:ext cx="5082543" cy="6355876"/>
           </a:xfrm>
           <a:prstGeom prst="rect">
             <a:avLst/>
@@ -5147,7 +5736,7 @@
     </p:spTree>
     <p:extLst>
       <p:ext uri="{BB962C8B-B14F-4D97-AF65-F5344CB8AC3E}">
-        <p14:creationId xmlns:p14="http://schemas.microsoft.com/office/powerpoint/2010/main" val="1574056998"/>
+        <p14:creationId xmlns:p14="http://schemas.microsoft.com/office/powerpoint/2010/main" val="603529"/>
       </p:ext>
     </p:extLst>
   </p:cSld>
